--- a/Theory Class-Notes/Module-1.pptx
+++ b/Theory Class-Notes/Module-1.pptx
@@ -5,50 +5,48 @@
     <p:sldMasterId id="2147483710" r:id="rId1"/>
   </p:sldMasterIdLst>
   <p:notesMasterIdLst>
-    <p:notesMasterId r:id="rId43"/>
+    <p:notesMasterId r:id="rId41"/>
   </p:notesMasterIdLst>
   <p:sldIdLst>
     <p:sldId id="418" r:id="rId2"/>
     <p:sldId id="258" r:id="rId3"/>
-    <p:sldId id="272" r:id="rId4"/>
-    <p:sldId id="280" r:id="rId5"/>
-    <p:sldId id="434" r:id="rId6"/>
-    <p:sldId id="435" r:id="rId7"/>
-    <p:sldId id="451" r:id="rId8"/>
-    <p:sldId id="452" r:id="rId9"/>
-    <p:sldId id="453" r:id="rId10"/>
-    <p:sldId id="454" r:id="rId11"/>
-    <p:sldId id="419" r:id="rId12"/>
-    <p:sldId id="420" r:id="rId13"/>
-    <p:sldId id="421" r:id="rId14"/>
-    <p:sldId id="423" r:id="rId15"/>
-    <p:sldId id="426" r:id="rId16"/>
-    <p:sldId id="422" r:id="rId17"/>
-    <p:sldId id="427" r:id="rId18"/>
-    <p:sldId id="428" r:id="rId19"/>
-    <p:sldId id="455" r:id="rId20"/>
-    <p:sldId id="450" r:id="rId21"/>
-    <p:sldId id="432" r:id="rId22"/>
-    <p:sldId id="429" r:id="rId23"/>
-    <p:sldId id="430" r:id="rId24"/>
-    <p:sldId id="431" r:id="rId25"/>
-    <p:sldId id="425" r:id="rId26"/>
-    <p:sldId id="433" r:id="rId27"/>
-    <p:sldId id="436" r:id="rId28"/>
-    <p:sldId id="437" r:id="rId29"/>
-    <p:sldId id="438" r:id="rId30"/>
-    <p:sldId id="439" r:id="rId31"/>
-    <p:sldId id="440" r:id="rId32"/>
-    <p:sldId id="441" r:id="rId33"/>
-    <p:sldId id="442" r:id="rId34"/>
-    <p:sldId id="443" r:id="rId35"/>
-    <p:sldId id="444" r:id="rId36"/>
-    <p:sldId id="445" r:id="rId37"/>
-    <p:sldId id="446" r:id="rId38"/>
-    <p:sldId id="447" r:id="rId39"/>
-    <p:sldId id="448" r:id="rId40"/>
-    <p:sldId id="449" r:id="rId41"/>
-    <p:sldId id="424" r:id="rId42"/>
+    <p:sldId id="454" r:id="rId4"/>
+    <p:sldId id="434" r:id="rId5"/>
+    <p:sldId id="435" r:id="rId6"/>
+    <p:sldId id="451" r:id="rId7"/>
+    <p:sldId id="452" r:id="rId8"/>
+    <p:sldId id="453" r:id="rId9"/>
+    <p:sldId id="419" r:id="rId10"/>
+    <p:sldId id="420" r:id="rId11"/>
+    <p:sldId id="421" r:id="rId12"/>
+    <p:sldId id="423" r:id="rId13"/>
+    <p:sldId id="426" r:id="rId14"/>
+    <p:sldId id="422" r:id="rId15"/>
+    <p:sldId id="427" r:id="rId16"/>
+    <p:sldId id="428" r:id="rId17"/>
+    <p:sldId id="455" r:id="rId18"/>
+    <p:sldId id="450" r:id="rId19"/>
+    <p:sldId id="432" r:id="rId20"/>
+    <p:sldId id="429" r:id="rId21"/>
+    <p:sldId id="430" r:id="rId22"/>
+    <p:sldId id="431" r:id="rId23"/>
+    <p:sldId id="425" r:id="rId24"/>
+    <p:sldId id="433" r:id="rId25"/>
+    <p:sldId id="436" r:id="rId26"/>
+    <p:sldId id="437" r:id="rId27"/>
+    <p:sldId id="438" r:id="rId28"/>
+    <p:sldId id="439" r:id="rId29"/>
+    <p:sldId id="440" r:id="rId30"/>
+    <p:sldId id="441" r:id="rId31"/>
+    <p:sldId id="442" r:id="rId32"/>
+    <p:sldId id="443" r:id="rId33"/>
+    <p:sldId id="444" r:id="rId34"/>
+    <p:sldId id="445" r:id="rId35"/>
+    <p:sldId id="446" r:id="rId36"/>
+    <p:sldId id="447" r:id="rId37"/>
+    <p:sldId id="448" r:id="rId38"/>
+    <p:sldId id="449" r:id="rId39"/>
+    <p:sldId id="424" r:id="rId40"/>
   </p:sldIdLst>
   <p:sldSz cx="12192000" cy="6858000"/>
   <p:notesSz cx="6858000" cy="9144000"/>
@@ -237,7 +235,7 @@
           <a:p>
             <a:fld id="{61532AF1-4615-4667-912A-829B12F8C4D2}" type="datetimeFigureOut">
               <a:rPr lang="en-IN" smtClean="0"/>
-              <a:t>28-11-2024</a:t>
+              <a:t>04-12-2024</a:t>
             </a:fld>
             <a:endParaRPr lang="en-IN"/>
           </a:p>
@@ -654,7 +652,7 @@
           <a:p>
             <a:fld id="{C43A76A3-ADC8-4477-8FC1-B9DD55D84908}" type="datetime1">
               <a:rPr lang="en-US" smtClean="0"/>
-              <a:t>11/28/2024</a:t>
+              <a:t>12/4/2024</a:t>
             </a:fld>
             <a:endParaRPr lang="en-US" dirty="0"/>
           </a:p>
@@ -852,7 +850,7 @@
           <a:p>
             <a:fld id="{D6762538-DC4D-4667-96E5-B3278DDF8B12}" type="datetime1">
               <a:rPr lang="en-US" smtClean="0"/>
-              <a:t>11/28/2024</a:t>
+              <a:t>12/4/2024</a:t>
             </a:fld>
             <a:endParaRPr lang="en-US"/>
           </a:p>
@@ -1060,7 +1058,7 @@
           <a:p>
             <a:fld id="{05880548-5C08-4BE3-B63E-F2BB63B0B00C}" type="datetime1">
               <a:rPr lang="en-US" smtClean="0"/>
-              <a:t>11/28/2024</a:t>
+              <a:t>12/4/2024</a:t>
             </a:fld>
             <a:endParaRPr lang="en-US"/>
           </a:p>
@@ -1258,7 +1256,7 @@
           <a:p>
             <a:fld id="{DE7F49BE-398D-479A-8A7E-5DDBCA61EDCB}" type="datetime1">
               <a:rPr lang="en-US" smtClean="0"/>
-              <a:t>11/28/2024</a:t>
+              <a:t>12/4/2024</a:t>
             </a:fld>
             <a:endParaRPr lang="en-US" dirty="0"/>
           </a:p>
@@ -1534,7 +1532,7 @@
           <a:p>
             <a:fld id="{CCD0C193-4974-4A1F-9C63-07D595E30D66}" type="datetime1">
               <a:rPr lang="en-US" smtClean="0"/>
-              <a:t>11/28/2024</a:t>
+              <a:t>12/4/2024</a:t>
             </a:fld>
             <a:endParaRPr lang="en-US"/>
           </a:p>
@@ -1801,7 +1799,7 @@
           <a:p>
             <a:fld id="{701AA87F-28D4-4BF0-B81F-877A89DFD5AC}" type="datetime1">
               <a:rPr lang="en-US" smtClean="0"/>
-              <a:t>11/28/2024</a:t>
+              <a:t>12/4/2024</a:t>
             </a:fld>
             <a:endParaRPr lang="en-US"/>
           </a:p>
@@ -2215,7 +2213,7 @@
           <a:p>
             <a:fld id="{A8A9F1F3-208B-49A3-B337-9C8ACEB3E0E1}" type="datetime1">
               <a:rPr lang="en-US" smtClean="0"/>
-              <a:t>11/28/2024</a:t>
+              <a:t>12/4/2024</a:t>
             </a:fld>
             <a:endParaRPr lang="en-US"/>
           </a:p>
@@ -2362,7 +2360,7 @@
           <a:p>
             <a:fld id="{27AF6CA6-7293-4AA2-A0E0-A3BF4416E786}" type="datetime1">
               <a:rPr lang="en-US" smtClean="0"/>
-              <a:t>11/28/2024</a:t>
+              <a:t>12/4/2024</a:t>
             </a:fld>
             <a:endParaRPr lang="en-US"/>
           </a:p>
@@ -2475,7 +2473,7 @@
           <a:p>
             <a:fld id="{98D87016-7BCD-46FB-8EE3-AB6C369108B4}" type="datetime1">
               <a:rPr lang="en-US" smtClean="0"/>
-              <a:t>11/28/2024</a:t>
+              <a:t>12/4/2024</a:t>
             </a:fld>
             <a:endParaRPr lang="en-US"/>
           </a:p>
@@ -2794,7 +2792,7 @@
           <a:p>
             <a:fld id="{A1547011-1FFC-4EF8-9A2E-53B4AD2ADBD4}" type="datetime1">
               <a:rPr lang="en-US" smtClean="0"/>
-              <a:t>11/28/2024</a:t>
+              <a:t>12/4/2024</a:t>
             </a:fld>
             <a:endParaRPr lang="en-US"/>
           </a:p>
@@ -3089,7 +3087,7 @@
           <a:p>
             <a:fld id="{9562EB47-45B4-4EF5-A743-B4885DD2F060}" type="datetime1">
               <a:rPr lang="en-US" smtClean="0"/>
-              <a:t>11/28/2024</a:t>
+              <a:t>12/4/2024</a:t>
             </a:fld>
             <a:endParaRPr lang="en-US"/>
           </a:p>
@@ -4474,7 +4472,7 @@
           <a:p>
             <a:fld id="{4A8D24A4-5FEC-4062-8995-EB21925B3B40}" type="datetime1">
               <a:rPr lang="en-US" smtClean="0"/>
-              <a:t>11/28/2024</a:t>
+              <a:t>12/4/2024</a:t>
             </a:fld>
             <a:endParaRPr lang="en-US" sz="1000" dirty="0"/>
           </a:p>
@@ -5224,434 +5222,6 @@
         <p:cNvPr id="1" name="">
           <a:extLst>
             <a:ext uri="{FF2B5EF4-FFF2-40B4-BE49-F238E27FC236}">
-              <a16:creationId xmlns:a16="http://schemas.microsoft.com/office/drawing/2014/main" id="{756F41F5-6BCC-B9A0-31F9-562A509DEF23}"/>
-            </a:ext>
-          </a:extLst>
-        </p:cNvPr>
-        <p:cNvGrpSpPr/>
-        <p:nvPr/>
-      </p:nvGrpSpPr>
-      <p:grpSpPr>
-        <a:xfrm>
-          <a:off x="0" y="0"/>
-          <a:ext cx="0" cy="0"/>
-          <a:chOff x="0" y="0"/>
-          <a:chExt cx="0" cy="0"/>
-        </a:xfrm>
-      </p:grpSpPr>
-      <p:sp>
-        <p:nvSpPr>
-          <p:cNvPr id="3" name="Content Placeholder 2">
-            <a:extLst>
-              <a:ext uri="{FF2B5EF4-FFF2-40B4-BE49-F238E27FC236}">
-                <a16:creationId xmlns:a16="http://schemas.microsoft.com/office/drawing/2014/main" id="{DE8BBAB6-70C6-79C7-BA15-287996CE5E43}"/>
-              </a:ext>
-            </a:extLst>
-          </p:cNvPr>
-          <p:cNvSpPr>
-            <a:spLocks noGrp="1"/>
-          </p:cNvSpPr>
-          <p:nvPr>
-            <p:ph idx="1"/>
-          </p:nvPr>
-        </p:nvSpPr>
-        <p:spPr>
-          <a:xfrm>
-            <a:off x="777240" y="592183"/>
-            <a:ext cx="10659110" cy="5584780"/>
-          </a:xfrm>
-        </p:spPr>
-        <p:txBody>
-          <a:bodyPr>
-            <a:normAutofit/>
-          </a:bodyPr>
-          <a:lstStyle/>
-          <a:p>
-            <a:pPr marL="0" indent="0">
-              <a:buNone/>
-            </a:pPr>
-            <a:r>
-              <a:rPr lang="en-US" sz="2800" b="1" dirty="0"/>
-              <a:t>Example:</a:t>
-            </a:r>
-            <a:endParaRPr lang="en-IN" sz="2800" b="1" dirty="0"/>
-          </a:p>
-        </p:txBody>
-      </p:sp>
-      <p:pic>
-        <p:nvPicPr>
-          <p:cNvPr id="6" name="Picture 5" descr="A screenshot of a computer program&#10;&#10;Description automatically generated">
-            <a:extLst>
-              <a:ext uri="{FF2B5EF4-FFF2-40B4-BE49-F238E27FC236}">
-                <a16:creationId xmlns:a16="http://schemas.microsoft.com/office/drawing/2014/main" id="{81440027-FA0E-4C8B-95F6-4F4538E3ECCA}"/>
-              </a:ext>
-            </a:extLst>
-          </p:cNvPr>
-          <p:cNvPicPr>
-            <a:picLocks noChangeAspect="1"/>
-          </p:cNvPicPr>
-          <p:nvPr/>
-        </p:nvPicPr>
-        <p:blipFill>
-          <a:blip r:embed="rId2">
-            <a:extLst>
-              <a:ext uri="{28A0092B-C50C-407E-A947-70E740481C1C}">
-                <a14:useLocalDpi xmlns:a14="http://schemas.microsoft.com/office/drawing/2010/main" val="0"/>
-              </a:ext>
-            </a:extLst>
-          </a:blip>
-          <a:stretch>
-            <a:fillRect/>
-          </a:stretch>
-        </p:blipFill>
-        <p:spPr>
-          <a:xfrm>
-            <a:off x="10795" y="1270285"/>
-            <a:ext cx="12192000" cy="4736071"/>
-          </a:xfrm>
-          <a:prstGeom prst="rect">
-            <a:avLst/>
-          </a:prstGeom>
-        </p:spPr>
-      </p:pic>
-    </p:spTree>
-    <p:extLst>
-      <p:ext uri="{BB962C8B-B14F-4D97-AF65-F5344CB8AC3E}">
-        <p14:creationId xmlns:p14="http://schemas.microsoft.com/office/powerpoint/2010/main" val="3577270215"/>
-      </p:ext>
-    </p:extLst>
-  </p:cSld>
-  <p:clrMapOvr>
-    <a:masterClrMapping/>
-  </p:clrMapOvr>
-</p:sld>
-</file>
-
-<file path=ppt/slides/slide11.xml><?xml version="1.0" encoding="utf-8"?>
-<p:sld xmlns:a="http://schemas.openxmlformats.org/drawingml/2006/main" xmlns:r="http://schemas.openxmlformats.org/officeDocument/2006/relationships" xmlns:p="http://schemas.openxmlformats.org/presentationml/2006/main">
-  <p:cSld>
-    <p:spTree>
-      <p:nvGrpSpPr>
-        <p:cNvPr id="1" name=""/>
-        <p:cNvGrpSpPr/>
-        <p:nvPr/>
-      </p:nvGrpSpPr>
-      <p:grpSpPr>
-        <a:xfrm>
-          <a:off x="0" y="0"/>
-          <a:ext cx="0" cy="0"/>
-          <a:chOff x="0" y="0"/>
-          <a:chExt cx="0" cy="0"/>
-        </a:xfrm>
-      </p:grpSpPr>
-      <p:sp>
-        <p:nvSpPr>
-          <p:cNvPr id="3" name="Content Placeholder 2">
-            <a:extLst>
-              <a:ext uri="{FF2B5EF4-FFF2-40B4-BE49-F238E27FC236}">
-                <a16:creationId xmlns:a16="http://schemas.microsoft.com/office/drawing/2014/main" id="{CB0791C7-C6BE-CF76-C42A-F2F212BB8AAC}"/>
-              </a:ext>
-            </a:extLst>
-          </p:cNvPr>
-          <p:cNvSpPr>
-            <a:spLocks noGrp="1"/>
-          </p:cNvSpPr>
-          <p:nvPr>
-            <p:ph idx="1"/>
-          </p:nvPr>
-        </p:nvSpPr>
-        <p:spPr>
-          <a:xfrm>
-            <a:off x="777240" y="592182"/>
-            <a:ext cx="10659110" cy="5808617"/>
-          </a:xfrm>
-        </p:spPr>
-        <p:txBody>
-          <a:bodyPr>
-            <a:normAutofit/>
-          </a:bodyPr>
-          <a:lstStyle/>
-          <a:p>
-            <a:pPr marL="0" indent="0">
-              <a:buNone/>
-            </a:pPr>
-            <a:r>
-              <a:rPr lang="en-US" sz="2400" b="1" dirty="0">
-                <a:solidFill>
-                  <a:srgbClr val="0070C0"/>
-                </a:solidFill>
-              </a:rPr>
-              <a:t>Programming Paradigms (</a:t>
-            </a:r>
-            <a:r>
-              <a:rPr lang="en-US" sz="2400" b="1" dirty="0">
-                <a:solidFill>
-                  <a:srgbClr val="C00000"/>
-                </a:solidFill>
-              </a:rPr>
-              <a:t>Models</a:t>
-            </a:r>
-            <a:r>
-              <a:rPr lang="en-US" sz="2400" b="1" dirty="0">
-                <a:solidFill>
-                  <a:srgbClr val="0070C0"/>
-                </a:solidFill>
-              </a:rPr>
-              <a:t>):</a:t>
-            </a:r>
-          </a:p>
-          <a:p>
-            <a:pPr marL="0" indent="0">
-              <a:buNone/>
-            </a:pPr>
-            <a:r>
-              <a:rPr lang="en-US" dirty="0"/>
-              <a:t>Programming paradigms are foundational </a:t>
-            </a:r>
-            <a:r>
-              <a:rPr lang="en-US" b="1" dirty="0"/>
-              <a:t>styles</a:t>
-            </a:r>
-            <a:r>
-              <a:rPr lang="en-US" dirty="0"/>
-              <a:t> or </a:t>
-            </a:r>
-            <a:r>
-              <a:rPr lang="en-US" b="1" dirty="0"/>
-              <a:t>approaches</a:t>
-            </a:r>
-            <a:r>
-              <a:rPr lang="en-US" dirty="0"/>
-              <a:t> to programming that provide a way to structure and organize code. They define how problems are formulated and solved in programming.</a:t>
-            </a:r>
-          </a:p>
-          <a:p>
-            <a:pPr marL="457200" indent="-457200">
-              <a:buAutoNum type="arabicPeriod"/>
-            </a:pPr>
-            <a:r>
-              <a:rPr lang="en-IN" b="1" dirty="0"/>
-              <a:t>Imperative Programming: </a:t>
-            </a:r>
-            <a:r>
-              <a:rPr lang="en-US" dirty="0"/>
-              <a:t>Focuses on </a:t>
-            </a:r>
-            <a:r>
-              <a:rPr lang="en-US" b="1" dirty="0"/>
-              <a:t>how</a:t>
-            </a:r>
-            <a:r>
-              <a:rPr lang="en-US" dirty="0"/>
-              <a:t> a program operates. </a:t>
-            </a:r>
-          </a:p>
-          <a:p>
-            <a:pPr marL="457200" lvl="1" indent="0">
-              <a:buNone/>
-            </a:pPr>
-            <a:r>
-              <a:rPr lang="en-IN" b="1" dirty="0"/>
-              <a:t>Examples:</a:t>
-            </a:r>
-            <a:r>
-              <a:rPr lang="en-IN" dirty="0"/>
-              <a:t> C, Python (imperative style), Java.</a:t>
-            </a:r>
-            <a:endParaRPr lang="en-US" dirty="0"/>
-          </a:p>
-          <a:p>
-            <a:pPr marL="457200" indent="-457200">
-              <a:buAutoNum type="arabicPeriod"/>
-            </a:pPr>
-            <a:r>
-              <a:rPr lang="en-IN" b="1" dirty="0"/>
-              <a:t>Declarative Programming</a:t>
-            </a:r>
-            <a:r>
-              <a:rPr lang="en-US" b="1" dirty="0"/>
-              <a:t>: </a:t>
-            </a:r>
-            <a:r>
-              <a:rPr lang="en-US" dirty="0"/>
-              <a:t>Focuses on </a:t>
-            </a:r>
-            <a:r>
-              <a:rPr lang="en-US" b="1" dirty="0"/>
-              <a:t>what</a:t>
-            </a:r>
-            <a:r>
-              <a:rPr lang="en-US" dirty="0"/>
-              <a:t> the program should accomplish rather than </a:t>
-            </a:r>
-            <a:r>
-              <a:rPr lang="en-US" b="1" dirty="0"/>
-              <a:t>how</a:t>
-            </a:r>
-            <a:r>
-              <a:rPr lang="en-US" dirty="0"/>
-              <a:t> it is achieved. </a:t>
-            </a:r>
-          </a:p>
-          <a:p>
-            <a:pPr marL="457200" lvl="1" indent="0">
-              <a:buNone/>
-            </a:pPr>
-            <a:r>
-              <a:rPr lang="en-IN" b="1" dirty="0"/>
-              <a:t>Examples:</a:t>
-            </a:r>
-            <a:r>
-              <a:rPr lang="en-IN" dirty="0"/>
-              <a:t> SQL, HTML, </a:t>
-            </a:r>
-            <a:r>
-              <a:rPr lang="en-IN" dirty="0" err="1"/>
-              <a:t>Prolog</a:t>
-            </a:r>
-            <a:r>
-              <a:rPr lang="en-IN" dirty="0"/>
-              <a:t>.</a:t>
-            </a:r>
-          </a:p>
-          <a:p>
-            <a:pPr marL="457200" indent="-457200">
-              <a:buAutoNum type="arabicPeriod"/>
-            </a:pPr>
-            <a:r>
-              <a:rPr lang="en-IN" b="1" dirty="0"/>
-              <a:t>Procedural Programming (</a:t>
-            </a:r>
-            <a:r>
-              <a:rPr lang="en-IN" b="1" dirty="0">
-                <a:solidFill>
-                  <a:srgbClr val="C00000"/>
-                </a:solidFill>
-              </a:rPr>
-              <a:t>How to Do</a:t>
-            </a:r>
-            <a:r>
-              <a:rPr lang="en-IN" b="1" dirty="0"/>
-              <a:t>): </a:t>
-            </a:r>
-            <a:r>
-              <a:rPr lang="en-US" dirty="0"/>
-              <a:t>A subset of imperative programming that organizes code into reusable procedures or functions.</a:t>
-            </a:r>
-            <a:r>
-              <a:rPr lang="en-IN" b="1" dirty="0"/>
-              <a:t> </a:t>
-            </a:r>
-          </a:p>
-          <a:p>
-            <a:pPr marL="457200" lvl="1" indent="0">
-              <a:buNone/>
-            </a:pPr>
-            <a:r>
-              <a:rPr lang="en-IN" b="1" dirty="0"/>
-              <a:t>Examples:</a:t>
-            </a:r>
-            <a:r>
-              <a:rPr lang="en-IN" dirty="0"/>
-              <a:t> C, Pascal.</a:t>
-            </a:r>
-          </a:p>
-          <a:p>
-            <a:pPr marL="457200" indent="-457200">
-              <a:buFont typeface="Arial" panose="020B0604020202020204" pitchFamily="34" charset="0"/>
-              <a:buAutoNum type="arabicPeriod"/>
-            </a:pPr>
-            <a:r>
-              <a:rPr lang="en-IN" b="1" dirty="0"/>
-              <a:t>Functional Programming (</a:t>
-            </a:r>
-            <a:r>
-              <a:rPr lang="en-IN" b="1" dirty="0">
-                <a:solidFill>
-                  <a:srgbClr val="C00000"/>
-                </a:solidFill>
-              </a:rPr>
-              <a:t>What to Do</a:t>
-            </a:r>
-            <a:r>
-              <a:rPr lang="en-IN" b="1" dirty="0"/>
-              <a:t>): </a:t>
-            </a:r>
-            <a:r>
-              <a:rPr lang="en-US" dirty="0"/>
-              <a:t>Treats computation as the evaluation of mathematical functions, avoiding changing state and mutable data.</a:t>
-            </a:r>
-          </a:p>
-          <a:p>
-            <a:pPr marL="457200" indent="-457200">
-              <a:buAutoNum type="arabicPeriod"/>
-            </a:pPr>
-            <a:r>
-              <a:rPr lang="en-IN" b="1" dirty="0"/>
-              <a:t>Object-Oriented Programming (OOP): </a:t>
-            </a:r>
-            <a:r>
-              <a:rPr lang="en-US" dirty="0"/>
-              <a:t>Models real-world entities using </a:t>
-            </a:r>
-            <a:r>
-              <a:rPr lang="en-US" b="1" dirty="0"/>
-              <a:t>objects</a:t>
-            </a:r>
-            <a:r>
-              <a:rPr lang="en-US" dirty="0"/>
-              <a:t> and </a:t>
-            </a:r>
-            <a:r>
-              <a:rPr lang="en-US" b="1" dirty="0"/>
-              <a:t>classes</a:t>
-            </a:r>
-            <a:r>
-              <a:rPr lang="en-US" dirty="0"/>
-              <a:t>.</a:t>
-            </a:r>
-            <a:r>
-              <a:rPr lang="en-IN" dirty="0"/>
-              <a:t> </a:t>
-            </a:r>
-            <a:r>
-              <a:rPr lang="en-IN" b="1" dirty="0"/>
-              <a:t>Examples:</a:t>
-            </a:r>
-            <a:r>
-              <a:rPr lang="en-IN" dirty="0"/>
-              <a:t> Java, C++, Python (OOP style).</a:t>
-            </a:r>
-          </a:p>
-          <a:p>
-            <a:pPr marL="0" indent="0">
-              <a:buNone/>
-            </a:pPr>
-            <a:endParaRPr lang="en-IN" dirty="0"/>
-          </a:p>
-        </p:txBody>
-      </p:sp>
-    </p:spTree>
-    <p:extLst>
-      <p:ext uri="{BB962C8B-B14F-4D97-AF65-F5344CB8AC3E}">
-        <p14:creationId xmlns:p14="http://schemas.microsoft.com/office/powerpoint/2010/main" val="431502068"/>
-      </p:ext>
-    </p:extLst>
-  </p:cSld>
-  <p:clrMapOvr>
-    <a:masterClrMapping/>
-  </p:clrMapOvr>
-</p:sld>
-</file>
-
-<file path=ppt/slides/slide12.xml><?xml version="1.0" encoding="utf-8"?>
-<p:sld xmlns:a="http://schemas.openxmlformats.org/drawingml/2006/main" xmlns:r="http://schemas.openxmlformats.org/officeDocument/2006/relationships" xmlns:p="http://schemas.openxmlformats.org/presentationml/2006/main">
-  <p:cSld>
-    <p:spTree>
-      <p:nvGrpSpPr>
-        <p:cNvPr id="1" name="">
-          <a:extLst>
-            <a:ext uri="{FF2B5EF4-FFF2-40B4-BE49-F238E27FC236}">
               <a16:creationId xmlns:a16="http://schemas.microsoft.com/office/drawing/2014/main" id="{049D2845-1B06-B617-C517-6BD6336B3E2C}"/>
             </a:ext>
           </a:extLst>
@@ -5822,7 +5392,7 @@
 </p:sld>
 </file>
 
-<file path=ppt/slides/slide13.xml><?xml version="1.0" encoding="utf-8"?>
+<file path=ppt/slides/slide11.xml><?xml version="1.0" encoding="utf-8"?>
 <p:sld xmlns:a="http://schemas.openxmlformats.org/drawingml/2006/main" xmlns:r="http://schemas.openxmlformats.org/officeDocument/2006/relationships" xmlns:p="http://schemas.openxmlformats.org/presentationml/2006/main">
   <p:cSld>
     <p:spTree>
@@ -5974,7 +5544,7 @@
 </p:sld>
 </file>
 
-<file path=ppt/slides/slide14.xml><?xml version="1.0" encoding="utf-8"?>
+<file path=ppt/slides/slide12.xml><?xml version="1.0" encoding="utf-8"?>
 <p:sld xmlns:a="http://schemas.openxmlformats.org/drawingml/2006/main" xmlns:r="http://schemas.openxmlformats.org/officeDocument/2006/relationships" xmlns:p="http://schemas.openxmlformats.org/presentationml/2006/main">
   <p:cSld>
     <p:spTree>
@@ -6137,7 +5707,7 @@
 </p:sld>
 </file>
 
-<file path=ppt/slides/slide15.xml><?xml version="1.0" encoding="utf-8"?>
+<file path=ppt/slides/slide13.xml><?xml version="1.0" encoding="utf-8"?>
 <p:sld xmlns:a="http://schemas.openxmlformats.org/drawingml/2006/main" xmlns:r="http://schemas.openxmlformats.org/officeDocument/2006/relationships" xmlns:p="http://schemas.openxmlformats.org/presentationml/2006/main">
   <p:cSld>
     <p:spTree>
@@ -6302,7 +5872,7 @@
 </p:sld>
 </file>
 
-<file path=ppt/slides/slide16.xml><?xml version="1.0" encoding="utf-8"?>
+<file path=ppt/slides/slide14.xml><?xml version="1.0" encoding="utf-8"?>
 <p:sld xmlns:a="http://schemas.openxmlformats.org/drawingml/2006/main" xmlns:r="http://schemas.openxmlformats.org/officeDocument/2006/relationships" xmlns:p="http://schemas.openxmlformats.org/presentationml/2006/main">
   <p:cSld>
     <p:spTree>
@@ -6473,7 +6043,7 @@
 </p:sld>
 </file>
 
-<file path=ppt/slides/slide17.xml><?xml version="1.0" encoding="utf-8"?>
+<file path=ppt/slides/slide15.xml><?xml version="1.0" encoding="utf-8"?>
 <p:sld xmlns:a="http://schemas.openxmlformats.org/drawingml/2006/main" xmlns:r="http://schemas.openxmlformats.org/officeDocument/2006/relationships" xmlns:p="http://schemas.openxmlformats.org/presentationml/2006/main">
   <p:cSld>
     <p:spTree>
@@ -6633,7 +6203,7 @@
 </p:sld>
 </file>
 
-<file path=ppt/slides/slide18.xml><?xml version="1.0" encoding="utf-8"?>
+<file path=ppt/slides/slide16.xml><?xml version="1.0" encoding="utf-8"?>
 <p:sld xmlns:a="http://schemas.openxmlformats.org/drawingml/2006/main" xmlns:r="http://schemas.openxmlformats.org/officeDocument/2006/relationships" xmlns:p="http://schemas.openxmlformats.org/presentationml/2006/main">
   <p:cSld>
     <p:spTree>
@@ -6814,7 +6384,7 @@
 </p:sld>
 </file>
 
-<file path=ppt/slides/slide19.xml><?xml version="1.0" encoding="utf-8"?>
+<file path=ppt/slides/slide17.xml><?xml version="1.0" encoding="utf-8"?>
 <p:sld xmlns:a="http://schemas.openxmlformats.org/drawingml/2006/main" xmlns:r="http://schemas.openxmlformats.org/officeDocument/2006/relationships" xmlns:p="http://schemas.openxmlformats.org/presentationml/2006/main">
   <p:cSld>
     <p:spTree>
@@ -6969,131 +6539,7 @@
 </p:sld>
 </file>
 
-<file path=ppt/slides/slide2.xml><?xml version="1.0" encoding="utf-8"?>
-<p:sld xmlns:a="http://schemas.openxmlformats.org/drawingml/2006/main" xmlns:r="http://schemas.openxmlformats.org/officeDocument/2006/relationships" xmlns:p="http://schemas.openxmlformats.org/presentationml/2006/main">
-  <p:cSld>
-    <p:spTree>
-      <p:nvGrpSpPr>
-        <p:cNvPr id="1" name=""/>
-        <p:cNvGrpSpPr/>
-        <p:nvPr/>
-      </p:nvGrpSpPr>
-      <p:grpSpPr>
-        <a:xfrm>
-          <a:off x="0" y="0"/>
-          <a:ext cx="0" cy="0"/>
-          <a:chOff x="0" y="0"/>
-          <a:chExt cx="0" cy="0"/>
-        </a:xfrm>
-      </p:grpSpPr>
-      <p:sp>
-        <p:nvSpPr>
-          <p:cNvPr id="3" name="Content Placeholder 2">
-            <a:extLst>
-              <a:ext uri="{FF2B5EF4-FFF2-40B4-BE49-F238E27FC236}">
-                <a16:creationId xmlns:a16="http://schemas.microsoft.com/office/drawing/2014/main" id="{B4FE8E85-8426-4AB7-AD5A-5C275C24FF8D}"/>
-              </a:ext>
-            </a:extLst>
-          </p:cNvPr>
-          <p:cNvSpPr>
-            <a:spLocks noGrp="1"/>
-          </p:cNvSpPr>
-          <p:nvPr>
-            <p:ph idx="1"/>
-          </p:nvPr>
-        </p:nvSpPr>
-        <p:spPr>
-          <a:xfrm>
-            <a:off x="702853" y="719137"/>
-            <a:ext cx="10900568" cy="5313801"/>
-          </a:xfrm>
-        </p:spPr>
-        <p:txBody>
-          <a:bodyPr>
-            <a:normAutofit/>
-          </a:bodyPr>
-          <a:lstStyle/>
-          <a:p>
-            <a:pPr marL="0" indent="0">
-              <a:buNone/>
-            </a:pPr>
-            <a:r>
-              <a:rPr lang="en-US" sz="3200" b="1" dirty="0">
-                <a:solidFill>
-                  <a:srgbClr val="C00000"/>
-                </a:solidFill>
-              </a:rPr>
-              <a:t>Module-1: BASICS OF C PROGRAMMING </a:t>
-            </a:r>
-            <a:r>
-              <a:rPr lang="en-IN" sz="3200" b="1" dirty="0">
-                <a:solidFill>
-                  <a:srgbClr val="C00000"/>
-                </a:solidFill>
-              </a:rPr>
-              <a:t>:</a:t>
-            </a:r>
-          </a:p>
-          <a:p>
-            <a:pPr marL="0" indent="0">
-              <a:buNone/>
-            </a:pPr>
-            <a:r>
-              <a:rPr lang="en-US" sz="3200" b="1" dirty="0"/>
-              <a:t>Introduction to programming paradigms:</a:t>
-            </a:r>
-            <a:r>
-              <a:rPr lang="en-US" sz="3200" dirty="0"/>
-              <a:t> Applications of C Language, </a:t>
-            </a:r>
-            <a:r>
-              <a:rPr lang="en-US" sz="3200" b="1" dirty="0"/>
-              <a:t>Structure of C program</a:t>
-            </a:r>
-          </a:p>
-          <a:p>
-            <a:pPr marL="0" indent="0">
-              <a:buNone/>
-            </a:pPr>
-            <a:r>
-              <a:rPr lang="en-US" sz="3200" b="1" dirty="0"/>
-              <a:t>C programming: </a:t>
-            </a:r>
-            <a:r>
-              <a:rPr lang="en-US" sz="3200" dirty="0"/>
-              <a:t>Data Types, Constants,  Enumeration Constants,  Keywords.</a:t>
-            </a:r>
-          </a:p>
-          <a:p>
-            <a:pPr marL="0" indent="0">
-              <a:buNone/>
-            </a:pPr>
-            <a:r>
-              <a:rPr lang="en-US" sz="3200" b="1" dirty="0"/>
-              <a:t>Operators: </a:t>
-            </a:r>
-            <a:r>
-              <a:rPr lang="en-US" sz="3200" dirty="0"/>
-              <a:t>Precedence and Associativity, Expressions,  Input/Output statements, Assignment statements, Decision making statements, Switch statement, Looping statements Preprocessor directives, Compilation process.</a:t>
-            </a:r>
-            <a:endParaRPr lang="en-IN" sz="3200" dirty="0"/>
-          </a:p>
-        </p:txBody>
-      </p:sp>
-    </p:spTree>
-    <p:extLst>
-      <p:ext uri="{BB962C8B-B14F-4D97-AF65-F5344CB8AC3E}">
-        <p14:creationId xmlns:p14="http://schemas.microsoft.com/office/powerpoint/2010/main" val="707598842"/>
-      </p:ext>
-    </p:extLst>
-  </p:cSld>
-  <p:clrMapOvr>
-    <a:masterClrMapping/>
-  </p:clrMapOvr>
-</p:sld>
-</file>
-
-<file path=ppt/slides/slide20.xml><?xml version="1.0" encoding="utf-8"?>
+<file path=ppt/slides/slide18.xml><?xml version="1.0" encoding="utf-8"?>
 <p:sld xmlns:a="http://schemas.openxmlformats.org/drawingml/2006/main" xmlns:r="http://schemas.openxmlformats.org/officeDocument/2006/relationships" xmlns:p="http://schemas.openxmlformats.org/presentationml/2006/main">
   <p:cSld>
     <p:spTree>
@@ -7259,7 +6705,7 @@
 </p:sld>
 </file>
 
-<file path=ppt/slides/slide21.xml><?xml version="1.0" encoding="utf-8"?>
+<file path=ppt/slides/slide19.xml><?xml version="1.0" encoding="utf-8"?>
 <p:sld xmlns:a="http://schemas.openxmlformats.org/drawingml/2006/main" xmlns:r="http://schemas.openxmlformats.org/officeDocument/2006/relationships" xmlns:p="http://schemas.openxmlformats.org/presentationml/2006/main">
   <p:cSld>
     <p:bg>
@@ -9394,7 +8840,131 @@
 </p:sld>
 </file>
 
-<file path=ppt/slides/slide22.xml><?xml version="1.0" encoding="utf-8"?>
+<file path=ppt/slides/slide2.xml><?xml version="1.0" encoding="utf-8"?>
+<p:sld xmlns:a="http://schemas.openxmlformats.org/drawingml/2006/main" xmlns:r="http://schemas.openxmlformats.org/officeDocument/2006/relationships" xmlns:p="http://schemas.openxmlformats.org/presentationml/2006/main">
+  <p:cSld>
+    <p:spTree>
+      <p:nvGrpSpPr>
+        <p:cNvPr id="1" name=""/>
+        <p:cNvGrpSpPr/>
+        <p:nvPr/>
+      </p:nvGrpSpPr>
+      <p:grpSpPr>
+        <a:xfrm>
+          <a:off x="0" y="0"/>
+          <a:ext cx="0" cy="0"/>
+          <a:chOff x="0" y="0"/>
+          <a:chExt cx="0" cy="0"/>
+        </a:xfrm>
+      </p:grpSpPr>
+      <p:sp>
+        <p:nvSpPr>
+          <p:cNvPr id="3" name="Content Placeholder 2">
+            <a:extLst>
+              <a:ext uri="{FF2B5EF4-FFF2-40B4-BE49-F238E27FC236}">
+                <a16:creationId xmlns:a16="http://schemas.microsoft.com/office/drawing/2014/main" id="{B4FE8E85-8426-4AB7-AD5A-5C275C24FF8D}"/>
+              </a:ext>
+            </a:extLst>
+          </p:cNvPr>
+          <p:cNvSpPr>
+            <a:spLocks noGrp="1"/>
+          </p:cNvSpPr>
+          <p:nvPr>
+            <p:ph idx="1"/>
+          </p:nvPr>
+        </p:nvSpPr>
+        <p:spPr>
+          <a:xfrm>
+            <a:off x="702853" y="719137"/>
+            <a:ext cx="10900568" cy="5313801"/>
+          </a:xfrm>
+        </p:spPr>
+        <p:txBody>
+          <a:bodyPr>
+            <a:normAutofit/>
+          </a:bodyPr>
+          <a:lstStyle/>
+          <a:p>
+            <a:pPr marL="0" indent="0">
+              <a:buNone/>
+            </a:pPr>
+            <a:r>
+              <a:rPr lang="en-US" sz="3200" b="1" dirty="0">
+                <a:solidFill>
+                  <a:srgbClr val="C00000"/>
+                </a:solidFill>
+              </a:rPr>
+              <a:t>Module-1: BASICS OF C PROGRAMMING </a:t>
+            </a:r>
+            <a:r>
+              <a:rPr lang="en-IN" sz="3200" b="1" dirty="0">
+                <a:solidFill>
+                  <a:srgbClr val="C00000"/>
+                </a:solidFill>
+              </a:rPr>
+              <a:t>:</a:t>
+            </a:r>
+          </a:p>
+          <a:p>
+            <a:pPr marL="0" indent="0">
+              <a:buNone/>
+            </a:pPr>
+            <a:r>
+              <a:rPr lang="en-US" sz="3200" b="1" dirty="0"/>
+              <a:t>Introduction to programming paradigms:</a:t>
+            </a:r>
+            <a:r>
+              <a:rPr lang="en-US" sz="3200" dirty="0"/>
+              <a:t> Applications of C Language, </a:t>
+            </a:r>
+            <a:r>
+              <a:rPr lang="en-US" sz="3200" b="1" dirty="0"/>
+              <a:t>Structure of C program</a:t>
+            </a:r>
+          </a:p>
+          <a:p>
+            <a:pPr marL="0" indent="0">
+              <a:buNone/>
+            </a:pPr>
+            <a:r>
+              <a:rPr lang="en-US" sz="3200" b="1" dirty="0"/>
+              <a:t>C programming: </a:t>
+            </a:r>
+            <a:r>
+              <a:rPr lang="en-US" sz="3200" dirty="0"/>
+              <a:t>Data Types, Constants,  Enumeration Constants,  Keywords.</a:t>
+            </a:r>
+          </a:p>
+          <a:p>
+            <a:pPr marL="0" indent="0">
+              <a:buNone/>
+            </a:pPr>
+            <a:r>
+              <a:rPr lang="en-US" sz="3200" b="1" dirty="0"/>
+              <a:t>Operators: </a:t>
+            </a:r>
+            <a:r>
+              <a:rPr lang="en-US" sz="3200" dirty="0"/>
+              <a:t>Precedence and Associativity, Expressions,  Input/Output statements, Assignment statements, Decision making statements, Switch statement, Looping statements Preprocessor directives, Compilation process.</a:t>
+            </a:r>
+            <a:endParaRPr lang="en-IN" sz="3200" dirty="0"/>
+          </a:p>
+        </p:txBody>
+      </p:sp>
+    </p:spTree>
+    <p:extLst>
+      <p:ext uri="{BB962C8B-B14F-4D97-AF65-F5344CB8AC3E}">
+        <p14:creationId xmlns:p14="http://schemas.microsoft.com/office/powerpoint/2010/main" val="707598842"/>
+      </p:ext>
+    </p:extLst>
+  </p:cSld>
+  <p:clrMapOvr>
+    <a:masterClrMapping/>
+  </p:clrMapOvr>
+</p:sld>
+</file>
+
+<file path=ppt/slides/slide20.xml><?xml version="1.0" encoding="utf-8"?>
 <p:sld xmlns:a="http://schemas.openxmlformats.org/drawingml/2006/main" xmlns:r="http://schemas.openxmlformats.org/officeDocument/2006/relationships" xmlns:p="http://schemas.openxmlformats.org/presentationml/2006/main">
   <p:cSld>
     <p:spTree>
@@ -9605,7 +9175,7 @@
 </p:sld>
 </file>
 
-<file path=ppt/slides/slide23.xml><?xml version="1.0" encoding="utf-8"?>
+<file path=ppt/slides/slide21.xml><?xml version="1.0" encoding="utf-8"?>
 <p:sld xmlns:a="http://schemas.openxmlformats.org/drawingml/2006/main" xmlns:r="http://schemas.openxmlformats.org/officeDocument/2006/relationships" xmlns:p="http://schemas.openxmlformats.org/presentationml/2006/main">
   <p:cSld>
     <p:spTree>
@@ -9841,7 +9411,7 @@
 </p:sld>
 </file>
 
-<file path=ppt/slides/slide24.xml><?xml version="1.0" encoding="utf-8"?>
+<file path=ppt/slides/slide22.xml><?xml version="1.0" encoding="utf-8"?>
 <p:sld xmlns:a="http://schemas.openxmlformats.org/drawingml/2006/main" xmlns:r="http://schemas.openxmlformats.org/officeDocument/2006/relationships" xmlns:p="http://schemas.openxmlformats.org/presentationml/2006/main">
   <p:cSld>
     <p:spTree>
@@ -10038,7 +9608,7 @@
 </p:sld>
 </file>
 
-<file path=ppt/slides/slide25.xml><?xml version="1.0" encoding="utf-8"?>
+<file path=ppt/slides/slide23.xml><?xml version="1.0" encoding="utf-8"?>
 <p:sld xmlns:a="http://schemas.openxmlformats.org/drawingml/2006/main" xmlns:r="http://schemas.openxmlformats.org/officeDocument/2006/relationships" xmlns:p="http://schemas.openxmlformats.org/presentationml/2006/main">
   <p:cSld>
     <p:spTree>
@@ -10119,7 +9689,11 @@
             </a:r>
             <a:r>
               <a:rPr lang="en-US" sz="3200" dirty="0"/>
-              <a:t> Applications of C Language, Structure of C program</a:t>
+              <a:t> Applications of C Language, </a:t>
+            </a:r>
+            <a:r>
+              <a:rPr lang="en-US" sz="3200" b="1" dirty="0"/>
+              <a:t>Structure of C program</a:t>
             </a:r>
           </a:p>
           <a:p>
@@ -10164,7 +9738,7 @@
 </p:sld>
 </file>
 
-<file path=ppt/slides/slide26.xml><?xml version="1.0" encoding="utf-8"?>
+<file path=ppt/slides/slide24.xml><?xml version="1.0" encoding="utf-8"?>
 <p:sld xmlns:a="http://schemas.openxmlformats.org/drawingml/2006/main" xmlns:r="http://schemas.openxmlformats.org/officeDocument/2006/relationships" xmlns:p="http://schemas.openxmlformats.org/presentationml/2006/main">
   <p:cSld>
     <p:spTree>
@@ -10233,7 +9807,7 @@
 </p:sld>
 </file>
 
-<file path=ppt/slides/slide27.xml><?xml version="1.0" encoding="utf-8"?>
+<file path=ppt/slides/slide25.xml><?xml version="1.0" encoding="utf-8"?>
 <p:sld xmlns:a="http://schemas.openxmlformats.org/drawingml/2006/main" xmlns:r="http://schemas.openxmlformats.org/officeDocument/2006/relationships" xmlns:p="http://schemas.openxmlformats.org/presentationml/2006/main">
   <p:cSld>
     <p:spTree>
@@ -10302,7 +9876,7 @@
 </p:sld>
 </file>
 
-<file path=ppt/slides/slide28.xml><?xml version="1.0" encoding="utf-8"?>
+<file path=ppt/slides/slide26.xml><?xml version="1.0" encoding="utf-8"?>
 <p:sld xmlns:a="http://schemas.openxmlformats.org/drawingml/2006/main" xmlns:r="http://schemas.openxmlformats.org/officeDocument/2006/relationships" xmlns:p="http://schemas.openxmlformats.org/presentationml/2006/main">
   <p:cSld>
     <p:spTree>
@@ -10371,7 +9945,7 @@
 </p:sld>
 </file>
 
-<file path=ppt/slides/slide29.xml><?xml version="1.0" encoding="utf-8"?>
+<file path=ppt/slides/slide27.xml><?xml version="1.0" encoding="utf-8"?>
 <p:sld xmlns:a="http://schemas.openxmlformats.org/drawingml/2006/main" xmlns:r="http://schemas.openxmlformats.org/officeDocument/2006/relationships" xmlns:p="http://schemas.openxmlformats.org/presentationml/2006/main">
   <p:cSld>
     <p:spTree>
@@ -10440,96 +10014,7 @@
 </p:sld>
 </file>
 
-<file path=ppt/slides/slide3.xml><?xml version="1.0" encoding="utf-8"?>
-<p:sld xmlns:a="http://schemas.openxmlformats.org/drawingml/2006/main" xmlns:r="http://schemas.openxmlformats.org/officeDocument/2006/relationships" xmlns:p="http://schemas.openxmlformats.org/presentationml/2006/main">
-  <p:cSld>
-    <p:spTree>
-      <p:nvGrpSpPr>
-        <p:cNvPr id="1" name=""/>
-        <p:cNvGrpSpPr/>
-        <p:nvPr/>
-      </p:nvGrpSpPr>
-      <p:grpSpPr>
-        <a:xfrm>
-          <a:off x="0" y="0"/>
-          <a:ext cx="0" cy="0"/>
-          <a:chOff x="0" y="0"/>
-          <a:chExt cx="0" cy="0"/>
-        </a:xfrm>
-      </p:grpSpPr>
-      <p:sp>
-        <p:nvSpPr>
-          <p:cNvPr id="3" name="Content Placeholder 2">
-            <a:extLst>
-              <a:ext uri="{FF2B5EF4-FFF2-40B4-BE49-F238E27FC236}">
-                <a16:creationId xmlns:a16="http://schemas.microsoft.com/office/drawing/2014/main" id="{B4FE8E85-8426-4AB7-AD5A-5C275C24FF8D}"/>
-              </a:ext>
-            </a:extLst>
-          </p:cNvPr>
-          <p:cNvSpPr>
-            <a:spLocks noGrp="1"/>
-          </p:cNvSpPr>
-          <p:nvPr>
-            <p:ph idx="1"/>
-          </p:nvPr>
-        </p:nvSpPr>
-        <p:spPr>
-          <a:xfrm>
-            <a:off x="710381" y="2247900"/>
-            <a:ext cx="10567219" cy="1181100"/>
-          </a:xfrm>
-        </p:spPr>
-        <p:txBody>
-          <a:bodyPr>
-            <a:noAutofit/>
-          </a:bodyPr>
-          <a:lstStyle/>
-          <a:p>
-            <a:pPr marL="0" indent="0" algn="ctr">
-              <a:buNone/>
-            </a:pPr>
-            <a:r>
-              <a:rPr lang="en-IN" sz="3600" b="1" dirty="0">
-                <a:solidFill>
-                  <a:schemeClr val="accent6">
-                    <a:lumMod val="50000"/>
-                  </a:schemeClr>
-                </a:solidFill>
-              </a:rPr>
-              <a:t>What is Programming?</a:t>
-            </a:r>
-          </a:p>
-          <a:p>
-            <a:pPr marL="0" indent="0" algn="ctr">
-              <a:buNone/>
-            </a:pPr>
-            <a:r>
-              <a:rPr lang="en-IN" sz="3600" b="1" dirty="0">
-                <a:solidFill>
-                  <a:schemeClr val="accent2">
-                    <a:lumMod val="50000"/>
-                  </a:schemeClr>
-                </a:solidFill>
-              </a:rPr>
-              <a:t>What is Programming Language?</a:t>
-            </a:r>
-          </a:p>
-        </p:txBody>
-      </p:sp>
-    </p:spTree>
-    <p:extLst>
-      <p:ext uri="{BB962C8B-B14F-4D97-AF65-F5344CB8AC3E}">
-        <p14:creationId xmlns:p14="http://schemas.microsoft.com/office/powerpoint/2010/main" val="2833866201"/>
-      </p:ext>
-    </p:extLst>
-  </p:cSld>
-  <p:clrMapOvr>
-    <a:masterClrMapping/>
-  </p:clrMapOvr>
-</p:sld>
-</file>
-
-<file path=ppt/slides/slide30.xml><?xml version="1.0" encoding="utf-8"?>
+<file path=ppt/slides/slide28.xml><?xml version="1.0" encoding="utf-8"?>
 <p:sld xmlns:a="http://schemas.openxmlformats.org/drawingml/2006/main" xmlns:r="http://schemas.openxmlformats.org/officeDocument/2006/relationships" xmlns:p="http://schemas.openxmlformats.org/presentationml/2006/main">
   <p:cSld>
     <p:spTree>
@@ -10598,7 +10083,7 @@
 </p:sld>
 </file>
 
-<file path=ppt/slides/slide31.xml><?xml version="1.0" encoding="utf-8"?>
+<file path=ppt/slides/slide29.xml><?xml version="1.0" encoding="utf-8"?>
 <p:sld xmlns:a="http://schemas.openxmlformats.org/drawingml/2006/main" xmlns:r="http://schemas.openxmlformats.org/officeDocument/2006/relationships" xmlns:p="http://schemas.openxmlformats.org/presentationml/2006/main">
   <p:cSld>
     <p:spTree>
@@ -10667,7 +10152,118 @@
 </p:sld>
 </file>
 
-<file path=ppt/slides/slide32.xml><?xml version="1.0" encoding="utf-8"?>
+<file path=ppt/slides/slide3.xml><?xml version="1.0" encoding="utf-8"?>
+<p:sld xmlns:a="http://schemas.openxmlformats.org/drawingml/2006/main" xmlns:r="http://schemas.openxmlformats.org/officeDocument/2006/relationships" xmlns:p="http://schemas.openxmlformats.org/presentationml/2006/main">
+  <p:cSld>
+    <p:spTree>
+      <p:nvGrpSpPr>
+        <p:cNvPr id="1" name="">
+          <a:extLst>
+            <a:ext uri="{FF2B5EF4-FFF2-40B4-BE49-F238E27FC236}">
+              <a16:creationId xmlns:a16="http://schemas.microsoft.com/office/drawing/2014/main" id="{756F41F5-6BCC-B9A0-31F9-562A509DEF23}"/>
+            </a:ext>
+          </a:extLst>
+        </p:cNvPr>
+        <p:cNvGrpSpPr/>
+        <p:nvPr/>
+      </p:nvGrpSpPr>
+      <p:grpSpPr>
+        <a:xfrm>
+          <a:off x="0" y="0"/>
+          <a:ext cx="0" cy="0"/>
+          <a:chOff x="0" y="0"/>
+          <a:chExt cx="0" cy="0"/>
+        </a:xfrm>
+      </p:grpSpPr>
+      <p:sp>
+        <p:nvSpPr>
+          <p:cNvPr id="3" name="Content Placeholder 2">
+            <a:extLst>
+              <a:ext uri="{FF2B5EF4-FFF2-40B4-BE49-F238E27FC236}">
+                <a16:creationId xmlns:a16="http://schemas.microsoft.com/office/drawing/2014/main" id="{DE8BBAB6-70C6-79C7-BA15-287996CE5E43}"/>
+              </a:ext>
+            </a:extLst>
+          </p:cNvPr>
+          <p:cNvSpPr>
+            <a:spLocks noGrp="1"/>
+          </p:cNvSpPr>
+          <p:nvPr>
+            <p:ph idx="1"/>
+          </p:nvPr>
+        </p:nvSpPr>
+        <p:spPr>
+          <a:xfrm>
+            <a:off x="407126" y="512593"/>
+            <a:ext cx="3152503" cy="678102"/>
+          </a:xfrm>
+        </p:spPr>
+        <p:txBody>
+          <a:bodyPr>
+            <a:normAutofit/>
+          </a:bodyPr>
+          <a:lstStyle/>
+          <a:p>
+            <a:pPr marL="0" indent="0">
+              <a:buNone/>
+            </a:pPr>
+            <a:r>
+              <a:rPr lang="en-US" sz="2800" b="1" dirty="0"/>
+              <a:t>C Program Example:</a:t>
+            </a:r>
+            <a:endParaRPr lang="en-IN" sz="2800" b="1" dirty="0"/>
+          </a:p>
+        </p:txBody>
+      </p:sp>
+      <p:pic>
+        <p:nvPicPr>
+          <p:cNvPr id="6" name="Picture 5" descr="A screenshot of a computer program&#10;&#10;Description automatically generated">
+            <a:extLst>
+              <a:ext uri="{FF2B5EF4-FFF2-40B4-BE49-F238E27FC236}">
+                <a16:creationId xmlns:a16="http://schemas.microsoft.com/office/drawing/2014/main" id="{81440027-FA0E-4C8B-95F6-4F4538E3ECCA}"/>
+              </a:ext>
+            </a:extLst>
+          </p:cNvPr>
+          <p:cNvPicPr>
+            <a:picLocks noChangeAspect="1"/>
+          </p:cNvPicPr>
+          <p:nvPr/>
+        </p:nvPicPr>
+        <p:blipFill>
+          <a:blip r:embed="rId2">
+            <a:extLst>
+              <a:ext uri="{28A0092B-C50C-407E-A947-70E740481C1C}">
+                <a14:useLocalDpi xmlns:a14="http://schemas.microsoft.com/office/drawing/2010/main" val="0"/>
+              </a:ext>
+            </a:extLst>
+          </a:blip>
+          <a:stretch>
+            <a:fillRect/>
+          </a:stretch>
+        </p:blipFill>
+        <p:spPr>
+          <a:xfrm>
+            <a:off x="10795" y="1270285"/>
+            <a:ext cx="12192000" cy="4736071"/>
+          </a:xfrm>
+          <a:prstGeom prst="rect">
+            <a:avLst/>
+          </a:prstGeom>
+        </p:spPr>
+      </p:pic>
+    </p:spTree>
+    <p:extLst>
+      <p:ext uri="{BB962C8B-B14F-4D97-AF65-F5344CB8AC3E}">
+        <p14:creationId xmlns:p14="http://schemas.microsoft.com/office/powerpoint/2010/main" val="3577270215"/>
+      </p:ext>
+    </p:extLst>
+  </p:cSld>
+  <p:clrMapOvr>
+    <a:masterClrMapping/>
+  </p:clrMapOvr>
+</p:sld>
+</file>
+
+<file path=ppt/slides/slide30.xml><?xml version="1.0" encoding="utf-8"?>
 <p:sld xmlns:a="http://schemas.openxmlformats.org/drawingml/2006/main" xmlns:r="http://schemas.openxmlformats.org/officeDocument/2006/relationships" xmlns:p="http://schemas.openxmlformats.org/presentationml/2006/main">
   <p:cSld>
     <p:spTree>
@@ -10736,7 +10332,7 @@
 </p:sld>
 </file>
 
-<file path=ppt/slides/slide33.xml><?xml version="1.0" encoding="utf-8"?>
+<file path=ppt/slides/slide31.xml><?xml version="1.0" encoding="utf-8"?>
 <p:sld xmlns:a="http://schemas.openxmlformats.org/drawingml/2006/main" xmlns:r="http://schemas.openxmlformats.org/officeDocument/2006/relationships" xmlns:p="http://schemas.openxmlformats.org/presentationml/2006/main">
   <p:cSld>
     <p:spTree>
@@ -10805,7 +10401,7 @@
 </p:sld>
 </file>
 
-<file path=ppt/slides/slide34.xml><?xml version="1.0" encoding="utf-8"?>
+<file path=ppt/slides/slide32.xml><?xml version="1.0" encoding="utf-8"?>
 <p:sld xmlns:a="http://schemas.openxmlformats.org/drawingml/2006/main" xmlns:r="http://schemas.openxmlformats.org/officeDocument/2006/relationships" xmlns:p="http://schemas.openxmlformats.org/presentationml/2006/main">
   <p:cSld>
     <p:spTree>
@@ -10874,7 +10470,7 @@
 </p:sld>
 </file>
 
-<file path=ppt/slides/slide35.xml><?xml version="1.0" encoding="utf-8"?>
+<file path=ppt/slides/slide33.xml><?xml version="1.0" encoding="utf-8"?>
 <p:sld xmlns:a="http://schemas.openxmlformats.org/drawingml/2006/main" xmlns:r="http://schemas.openxmlformats.org/officeDocument/2006/relationships" xmlns:p="http://schemas.openxmlformats.org/presentationml/2006/main">
   <p:cSld>
     <p:spTree>
@@ -10943,7 +10539,7 @@
 </p:sld>
 </file>
 
-<file path=ppt/slides/slide36.xml><?xml version="1.0" encoding="utf-8"?>
+<file path=ppt/slides/slide34.xml><?xml version="1.0" encoding="utf-8"?>
 <p:sld xmlns:a="http://schemas.openxmlformats.org/drawingml/2006/main" xmlns:r="http://schemas.openxmlformats.org/officeDocument/2006/relationships" xmlns:p="http://schemas.openxmlformats.org/presentationml/2006/main">
   <p:cSld>
     <p:spTree>
@@ -11012,7 +10608,7 @@
 </p:sld>
 </file>
 
-<file path=ppt/slides/slide37.xml><?xml version="1.0" encoding="utf-8"?>
+<file path=ppt/slides/slide35.xml><?xml version="1.0" encoding="utf-8"?>
 <p:sld xmlns:a="http://schemas.openxmlformats.org/drawingml/2006/main" xmlns:r="http://schemas.openxmlformats.org/officeDocument/2006/relationships" xmlns:p="http://schemas.openxmlformats.org/presentationml/2006/main">
   <p:cSld>
     <p:spTree>
@@ -11081,7 +10677,7 @@
 </p:sld>
 </file>
 
-<file path=ppt/slides/slide38.xml><?xml version="1.0" encoding="utf-8"?>
+<file path=ppt/slides/slide36.xml><?xml version="1.0" encoding="utf-8"?>
 <p:sld xmlns:a="http://schemas.openxmlformats.org/drawingml/2006/main" xmlns:r="http://schemas.openxmlformats.org/officeDocument/2006/relationships" xmlns:p="http://schemas.openxmlformats.org/presentationml/2006/main">
   <p:cSld>
     <p:spTree>
@@ -11150,7 +10746,7 @@
 </p:sld>
 </file>
 
-<file path=ppt/slides/slide39.xml><?xml version="1.0" encoding="utf-8"?>
+<file path=ppt/slides/slide37.xml><?xml version="1.0" encoding="utf-8"?>
 <p:sld xmlns:a="http://schemas.openxmlformats.org/drawingml/2006/main" xmlns:r="http://schemas.openxmlformats.org/officeDocument/2006/relationships" xmlns:p="http://schemas.openxmlformats.org/presentationml/2006/main">
   <p:cSld>
     <p:spTree>
@@ -11219,130 +10815,7 @@
 </p:sld>
 </file>
 
-<file path=ppt/slides/slide4.xml><?xml version="1.0" encoding="utf-8"?>
-<p:sld xmlns:a="http://schemas.openxmlformats.org/drawingml/2006/main" xmlns:r="http://schemas.openxmlformats.org/officeDocument/2006/relationships" xmlns:p="http://schemas.openxmlformats.org/presentationml/2006/main">
-  <p:cSld>
-    <p:spTree>
-      <p:nvGrpSpPr>
-        <p:cNvPr id="1" name=""/>
-        <p:cNvGrpSpPr/>
-        <p:nvPr/>
-      </p:nvGrpSpPr>
-      <p:grpSpPr>
-        <a:xfrm>
-          <a:off x="0" y="0"/>
-          <a:ext cx="0" cy="0"/>
-          <a:chOff x="0" y="0"/>
-          <a:chExt cx="0" cy="0"/>
-        </a:xfrm>
-      </p:grpSpPr>
-      <p:sp>
-        <p:nvSpPr>
-          <p:cNvPr id="3" name="Content Placeholder 2">
-            <a:extLst>
-              <a:ext uri="{FF2B5EF4-FFF2-40B4-BE49-F238E27FC236}">
-                <a16:creationId xmlns:a16="http://schemas.microsoft.com/office/drawing/2014/main" id="{B4FE8E85-8426-4AB7-AD5A-5C275C24FF8D}"/>
-              </a:ext>
-            </a:extLst>
-          </p:cNvPr>
-          <p:cNvSpPr>
-            <a:spLocks noGrp="1"/>
-          </p:cNvSpPr>
-          <p:nvPr>
-            <p:ph idx="1"/>
-          </p:nvPr>
-        </p:nvSpPr>
-        <p:spPr>
-          <a:xfrm>
-            <a:off x="710381" y="2247900"/>
-            <a:ext cx="10567219" cy="1181100"/>
-          </a:xfrm>
-        </p:spPr>
-        <p:txBody>
-          <a:bodyPr>
-            <a:noAutofit/>
-          </a:bodyPr>
-          <a:lstStyle/>
-          <a:p>
-            <a:pPr marL="0" indent="0" algn="ctr">
-              <a:buNone/>
-            </a:pPr>
-            <a:r>
-              <a:rPr lang="en-IN" sz="3200" b="1" dirty="0">
-                <a:solidFill>
-                  <a:schemeClr val="accent6">
-                    <a:lumMod val="50000"/>
-                  </a:schemeClr>
-                </a:solidFill>
-              </a:rPr>
-              <a:t>What is Programming? : </a:t>
-            </a:r>
-            <a:r>
-              <a:rPr lang="en-IN" sz="3200" dirty="0"/>
-              <a:t>Writing a Program</a:t>
-            </a:r>
-            <a:endParaRPr lang="en-IN" sz="3200" b="1" dirty="0">
-              <a:solidFill>
-                <a:schemeClr val="accent6">
-                  <a:lumMod val="50000"/>
-                </a:schemeClr>
-              </a:solidFill>
-            </a:endParaRPr>
-          </a:p>
-          <a:p>
-            <a:pPr marL="0" indent="0" algn="ctr">
-              <a:buNone/>
-            </a:pPr>
-            <a:r>
-              <a:rPr lang="en-IN" sz="3200" b="1" dirty="0">
-                <a:solidFill>
-                  <a:schemeClr val="accent2">
-                    <a:lumMod val="50000"/>
-                  </a:schemeClr>
-                </a:solidFill>
-              </a:rPr>
-              <a:t>What is Programming Language? : </a:t>
-            </a:r>
-            <a:r>
-              <a:rPr lang="en-IN" sz="3200" dirty="0"/>
-              <a:t>Is a Collection of </a:t>
-            </a:r>
-            <a:r>
-              <a:rPr lang="en-IN" sz="3200" b="1" dirty="0">
-                <a:solidFill>
-                  <a:srgbClr val="C00000"/>
-                </a:solidFill>
-              </a:rPr>
-              <a:t>Tokens</a:t>
-            </a:r>
-            <a:r>
-              <a:rPr lang="en-IN" sz="3200" dirty="0"/>
-              <a:t>.</a:t>
-            </a:r>
-            <a:endParaRPr lang="en-IN" sz="3200" b="1" dirty="0">
-              <a:solidFill>
-                <a:schemeClr val="accent2">
-                  <a:lumMod val="50000"/>
-                </a:schemeClr>
-              </a:solidFill>
-            </a:endParaRPr>
-          </a:p>
-        </p:txBody>
-      </p:sp>
-    </p:spTree>
-    <p:extLst>
-      <p:ext uri="{BB962C8B-B14F-4D97-AF65-F5344CB8AC3E}">
-        <p14:creationId xmlns:p14="http://schemas.microsoft.com/office/powerpoint/2010/main" val="1139735195"/>
-      </p:ext>
-    </p:extLst>
-  </p:cSld>
-  <p:clrMapOvr>
-    <a:masterClrMapping/>
-  </p:clrMapOvr>
-</p:sld>
-</file>
-
-<file path=ppt/slides/slide40.xml><?xml version="1.0" encoding="utf-8"?>
+<file path=ppt/slides/slide38.xml><?xml version="1.0" encoding="utf-8"?>
 <p:sld xmlns:a="http://schemas.openxmlformats.org/drawingml/2006/main" xmlns:r="http://schemas.openxmlformats.org/officeDocument/2006/relationships" xmlns:p="http://schemas.openxmlformats.org/presentationml/2006/main">
   <p:cSld>
     <p:spTree>
@@ -11411,7 +10884,7 @@
 </p:sld>
 </file>
 
-<file path=ppt/slides/slide41.xml><?xml version="1.0" encoding="utf-8"?>
+<file path=ppt/slides/slide39.xml><?xml version="1.0" encoding="utf-8"?>
 <p:sld xmlns:a="http://schemas.openxmlformats.org/drawingml/2006/main" xmlns:r="http://schemas.openxmlformats.org/officeDocument/2006/relationships" xmlns:p="http://schemas.openxmlformats.org/presentationml/2006/main">
   <p:cSld>
     <p:spTree>
@@ -11480,7 +10953,7 @@
 </p:sld>
 </file>
 
-<file path=ppt/slides/slide5.xml><?xml version="1.0" encoding="utf-8"?>
+<file path=ppt/slides/slide4.xml><?xml version="1.0" encoding="utf-8"?>
 <p:sld xmlns:a="http://schemas.openxmlformats.org/drawingml/2006/main" xmlns:r="http://schemas.openxmlformats.org/officeDocument/2006/relationships" xmlns:p="http://schemas.openxmlformats.org/presentationml/2006/main">
   <p:cSld>
     <p:spTree>
@@ -11551,7 +11024,23 @@
             </a:r>
             <a:r>
               <a:rPr lang="en-US" sz="2400" dirty="0"/>
-              <a:t> are the smallest units in a program that have meaningful representation. They are the building blocks of the language. </a:t>
+              <a:t> are the smallest units in a program that </a:t>
+            </a:r>
+            <a:r>
+              <a:rPr lang="en-US" sz="2400" b="1" dirty="0"/>
+              <a:t>have meaningful representation.</a:t>
+            </a:r>
+            <a:r>
+              <a:rPr lang="en-US" sz="2400" dirty="0"/>
+              <a:t> They are the </a:t>
+            </a:r>
+            <a:r>
+              <a:rPr lang="en-US" sz="2400" b="1" dirty="0"/>
+              <a:t>building blocks </a:t>
+            </a:r>
+            <a:r>
+              <a:rPr lang="en-US" sz="2400" dirty="0"/>
+              <a:t>of the language. </a:t>
             </a:r>
           </a:p>
           <a:p>
@@ -11612,7 +11101,7 @@
             </a:pPr>
             <a:r>
               <a:rPr lang="en-US" sz="2400" b="1" dirty="0"/>
-              <a:t>String Literals</a:t>
+              <a:t>Literals</a:t>
             </a:r>
             <a:endParaRPr lang="en-US" sz="2400" dirty="0"/>
           </a:p>
@@ -11659,7 +11148,7 @@
 </p:sld>
 </file>
 
-<file path=ppt/slides/slide6.xml><?xml version="1.0" encoding="utf-8"?>
+<file path=ppt/slides/slide5.xml><?xml version="1.0" encoding="utf-8"?>
 <p:sld xmlns:a="http://schemas.openxmlformats.org/drawingml/2006/main" xmlns:r="http://schemas.openxmlformats.org/officeDocument/2006/relationships" xmlns:p="http://schemas.openxmlformats.org/presentationml/2006/main">
   <p:cSld>
     <p:spTree>
@@ -11855,7 +11344,7 @@
 </p:sld>
 </file>
 
-<file path=ppt/slides/slide7.xml><?xml version="1.0" encoding="utf-8"?>
+<file path=ppt/slides/slide6.xml><?xml version="1.0" encoding="utf-8"?>
 <p:sld xmlns:a="http://schemas.openxmlformats.org/drawingml/2006/main" xmlns:r="http://schemas.openxmlformats.org/officeDocument/2006/relationships" xmlns:p="http://schemas.openxmlformats.org/presentationml/2006/main">
   <p:cSld>
     <p:spTree>
@@ -12054,7 +11543,7 @@
 </p:sld>
 </file>
 
-<file path=ppt/slides/slide8.xml><?xml version="1.0" encoding="utf-8"?>
+<file path=ppt/slides/slide7.xml><?xml version="1.0" encoding="utf-8"?>
 <p:sld xmlns:a="http://schemas.openxmlformats.org/drawingml/2006/main" xmlns:r="http://schemas.openxmlformats.org/officeDocument/2006/relationships" xmlns:p="http://schemas.openxmlformats.org/presentationml/2006/main">
   <p:cSld>
     <p:spTree>
@@ -12246,7 +11735,7 @@
 </p:sld>
 </file>
 
-<file path=ppt/slides/slide9.xml><?xml version="1.0" encoding="utf-8"?>
+<file path=ppt/slides/slide8.xml><?xml version="1.0" encoding="utf-8"?>
 <p:sld xmlns:a="http://schemas.openxmlformats.org/drawingml/2006/main" xmlns:r="http://schemas.openxmlformats.org/officeDocument/2006/relationships" xmlns:p="http://schemas.openxmlformats.org/presentationml/2006/main">
   <p:cSld>
     <p:spTree>
@@ -12410,6 +11899,323 @@
     <p:extLst>
       <p:ext uri="{BB962C8B-B14F-4D97-AF65-F5344CB8AC3E}">
         <p14:creationId xmlns:p14="http://schemas.microsoft.com/office/powerpoint/2010/main" val="4090928701"/>
+      </p:ext>
+    </p:extLst>
+  </p:cSld>
+  <p:clrMapOvr>
+    <a:masterClrMapping/>
+  </p:clrMapOvr>
+</p:sld>
+</file>
+
+<file path=ppt/slides/slide9.xml><?xml version="1.0" encoding="utf-8"?>
+<p:sld xmlns:a="http://schemas.openxmlformats.org/drawingml/2006/main" xmlns:r="http://schemas.openxmlformats.org/officeDocument/2006/relationships" xmlns:p="http://schemas.openxmlformats.org/presentationml/2006/main">
+  <p:cSld>
+    <p:spTree>
+      <p:nvGrpSpPr>
+        <p:cNvPr id="1" name=""/>
+        <p:cNvGrpSpPr/>
+        <p:nvPr/>
+      </p:nvGrpSpPr>
+      <p:grpSpPr>
+        <a:xfrm>
+          <a:off x="0" y="0"/>
+          <a:ext cx="0" cy="0"/>
+          <a:chOff x="0" y="0"/>
+          <a:chExt cx="0" cy="0"/>
+        </a:xfrm>
+      </p:grpSpPr>
+      <p:sp>
+        <p:nvSpPr>
+          <p:cNvPr id="3" name="Content Placeholder 2">
+            <a:extLst>
+              <a:ext uri="{FF2B5EF4-FFF2-40B4-BE49-F238E27FC236}">
+                <a16:creationId xmlns:a16="http://schemas.microsoft.com/office/drawing/2014/main" id="{CB0791C7-C6BE-CF76-C42A-F2F212BB8AAC}"/>
+              </a:ext>
+            </a:extLst>
+          </p:cNvPr>
+          <p:cNvSpPr>
+            <a:spLocks noGrp="1"/>
+          </p:cNvSpPr>
+          <p:nvPr>
+            <p:ph idx="1"/>
+          </p:nvPr>
+        </p:nvSpPr>
+        <p:spPr>
+          <a:xfrm>
+            <a:off x="777240" y="592182"/>
+            <a:ext cx="10659110" cy="5808617"/>
+          </a:xfrm>
+        </p:spPr>
+        <p:txBody>
+          <a:bodyPr>
+            <a:normAutofit/>
+          </a:bodyPr>
+          <a:lstStyle/>
+          <a:p>
+            <a:pPr marL="0" indent="0">
+              <a:buNone/>
+            </a:pPr>
+            <a:r>
+              <a:rPr lang="en-US" sz="2400" b="1" dirty="0">
+                <a:solidFill>
+                  <a:srgbClr val="0070C0"/>
+                </a:solidFill>
+              </a:rPr>
+              <a:t>Programming Paradigms (</a:t>
+            </a:r>
+            <a:r>
+              <a:rPr lang="en-US" sz="2400" b="1" dirty="0">
+                <a:solidFill>
+                  <a:srgbClr val="C00000"/>
+                </a:solidFill>
+              </a:rPr>
+              <a:t>Models</a:t>
+            </a:r>
+            <a:r>
+              <a:rPr lang="en-US" sz="2400" b="1" dirty="0">
+                <a:solidFill>
+                  <a:srgbClr val="0070C0"/>
+                </a:solidFill>
+              </a:rPr>
+              <a:t>):</a:t>
+            </a:r>
+          </a:p>
+          <a:p>
+            <a:pPr marL="0" indent="0">
+              <a:buNone/>
+            </a:pPr>
+            <a:r>
+              <a:rPr lang="en-US" dirty="0"/>
+              <a:t>Programming paradigms are foundational </a:t>
+            </a:r>
+            <a:r>
+              <a:rPr lang="en-US" b="1" dirty="0"/>
+              <a:t>styles</a:t>
+            </a:r>
+            <a:r>
+              <a:rPr lang="en-US" dirty="0"/>
+              <a:t> or </a:t>
+            </a:r>
+            <a:r>
+              <a:rPr lang="en-US" b="1" dirty="0"/>
+              <a:t>approaches</a:t>
+            </a:r>
+            <a:r>
+              <a:rPr lang="en-US" dirty="0"/>
+              <a:t> to programming that provide a way to structure and organize code. They define how problems are formulated and solved in programming.</a:t>
+            </a:r>
+          </a:p>
+          <a:p>
+            <a:pPr marL="457200" indent="-457200">
+              <a:buAutoNum type="arabicPeriod"/>
+            </a:pPr>
+            <a:r>
+              <a:rPr lang="en-IN" b="1" dirty="0"/>
+              <a:t>Imperative Programming: </a:t>
+            </a:r>
+            <a:r>
+              <a:rPr lang="en-US" dirty="0"/>
+              <a:t>Focuses on </a:t>
+            </a:r>
+            <a:r>
+              <a:rPr lang="en-US" b="1" dirty="0"/>
+              <a:t>how</a:t>
+            </a:r>
+            <a:r>
+              <a:rPr lang="en-US" dirty="0"/>
+              <a:t> a program operates. </a:t>
+            </a:r>
+          </a:p>
+          <a:p>
+            <a:pPr marL="457200" lvl="1" indent="0">
+              <a:buNone/>
+            </a:pPr>
+            <a:r>
+              <a:rPr lang="en-IN" b="1" dirty="0"/>
+              <a:t>Examples:</a:t>
+            </a:r>
+            <a:r>
+              <a:rPr lang="en-IN" dirty="0"/>
+              <a:t> C, Python (imperative style), Java.</a:t>
+            </a:r>
+            <a:endParaRPr lang="en-US" dirty="0"/>
+          </a:p>
+          <a:p>
+            <a:pPr marL="457200" indent="-457200">
+              <a:buAutoNum type="arabicPeriod"/>
+            </a:pPr>
+            <a:r>
+              <a:rPr lang="en-IN" b="1" dirty="0"/>
+              <a:t>Declarative Programming</a:t>
+            </a:r>
+            <a:r>
+              <a:rPr lang="en-US" b="1" dirty="0"/>
+              <a:t>: </a:t>
+            </a:r>
+            <a:r>
+              <a:rPr lang="en-US" dirty="0"/>
+              <a:t>Focuses on </a:t>
+            </a:r>
+            <a:r>
+              <a:rPr lang="en-US" b="1" dirty="0"/>
+              <a:t>what</a:t>
+            </a:r>
+            <a:r>
+              <a:rPr lang="en-US" dirty="0"/>
+              <a:t> the program should accomplish rather than </a:t>
+            </a:r>
+            <a:r>
+              <a:rPr lang="en-US" b="1" dirty="0"/>
+              <a:t>how</a:t>
+            </a:r>
+            <a:r>
+              <a:rPr lang="en-US" dirty="0"/>
+              <a:t> it is achieved. </a:t>
+            </a:r>
+          </a:p>
+          <a:p>
+            <a:pPr marL="457200" lvl="1" indent="0">
+              <a:buNone/>
+            </a:pPr>
+            <a:r>
+              <a:rPr lang="en-IN" b="1" dirty="0"/>
+              <a:t>Examples:</a:t>
+            </a:r>
+            <a:r>
+              <a:rPr lang="en-IN" dirty="0"/>
+              <a:t> SQL, HTML, </a:t>
+            </a:r>
+            <a:r>
+              <a:rPr lang="en-IN" dirty="0" err="1"/>
+              <a:t>Prolog</a:t>
+            </a:r>
+            <a:r>
+              <a:rPr lang="en-IN" dirty="0"/>
+              <a:t>.</a:t>
+            </a:r>
+          </a:p>
+          <a:p>
+            <a:pPr marL="457200" indent="-457200">
+              <a:buAutoNum type="arabicPeriod"/>
+            </a:pPr>
+            <a:r>
+              <a:rPr lang="en-IN" b="1" dirty="0"/>
+              <a:t>Procedural Programming (</a:t>
+            </a:r>
+            <a:r>
+              <a:rPr lang="en-IN" b="1" dirty="0">
+                <a:solidFill>
+                  <a:srgbClr val="C00000"/>
+                </a:solidFill>
+              </a:rPr>
+              <a:t>How to Do</a:t>
+            </a:r>
+            <a:r>
+              <a:rPr lang="en-IN" b="1" dirty="0"/>
+              <a:t>): </a:t>
+            </a:r>
+            <a:r>
+              <a:rPr lang="en-US" dirty="0"/>
+              <a:t>A subset of imperative programming that organizes code into reusable procedures or functions.</a:t>
+            </a:r>
+            <a:r>
+              <a:rPr lang="en-IN" b="1" dirty="0"/>
+              <a:t> </a:t>
+            </a:r>
+          </a:p>
+          <a:p>
+            <a:pPr marL="457200" lvl="1" indent="0">
+              <a:buNone/>
+            </a:pPr>
+            <a:r>
+              <a:rPr lang="en-IN" b="1" dirty="0"/>
+              <a:t>Examples:</a:t>
+            </a:r>
+            <a:r>
+              <a:rPr lang="en-IN" dirty="0"/>
+              <a:t> C, Pascal.</a:t>
+            </a:r>
+          </a:p>
+          <a:p>
+            <a:pPr marL="457200" indent="-457200">
+              <a:buFont typeface="Arial" panose="020B0604020202020204" pitchFamily="34" charset="0"/>
+              <a:buAutoNum type="arabicPeriod"/>
+            </a:pPr>
+            <a:r>
+              <a:rPr lang="en-IN" b="1" dirty="0"/>
+              <a:t>Functional Programming (</a:t>
+            </a:r>
+            <a:r>
+              <a:rPr lang="en-IN" b="1" dirty="0">
+                <a:solidFill>
+                  <a:srgbClr val="C00000"/>
+                </a:solidFill>
+              </a:rPr>
+              <a:t>What to Do</a:t>
+            </a:r>
+            <a:r>
+              <a:rPr lang="en-IN" b="1" dirty="0"/>
+              <a:t>): </a:t>
+            </a:r>
+            <a:r>
+              <a:rPr lang="en-US" dirty="0"/>
+              <a:t>Treats computation as the evaluation of mathematical functions, avoiding changing state and mutable data.</a:t>
+            </a:r>
+          </a:p>
+          <a:p>
+            <a:pPr marL="457200" indent="-457200">
+              <a:buAutoNum type="arabicPeriod"/>
+            </a:pPr>
+            <a:r>
+              <a:rPr lang="en-IN" b="1" dirty="0"/>
+              <a:t>Object-Oriented Programming (OOP): </a:t>
+            </a:r>
+            <a:r>
+              <a:rPr lang="en-US" dirty="0"/>
+              <a:t>Models real-world entities using </a:t>
+            </a:r>
+            <a:r>
+              <a:rPr lang="en-US" b="1" dirty="0"/>
+              <a:t>objects</a:t>
+            </a:r>
+            <a:r>
+              <a:rPr lang="en-US" dirty="0"/>
+              <a:t> and </a:t>
+            </a:r>
+            <a:r>
+              <a:rPr lang="en-US" b="1" dirty="0"/>
+              <a:t>classes</a:t>
+            </a:r>
+            <a:r>
+              <a:rPr lang="en-US" dirty="0"/>
+              <a:t>.</a:t>
+            </a:r>
+            <a:r>
+              <a:rPr lang="en-IN" dirty="0"/>
+              <a:t> </a:t>
+            </a:r>
+            <a:r>
+              <a:rPr lang="en-IN" b="1" dirty="0"/>
+              <a:t>Examples:</a:t>
+            </a:r>
+            <a:r>
+              <a:rPr lang="en-IN" dirty="0"/>
+              <a:t> Java, C++, Python (OOP style).</a:t>
+            </a:r>
+          </a:p>
+          <a:p>
+            <a:pPr marL="0" indent="0">
+              <a:buNone/>
+            </a:pPr>
+            <a:endParaRPr lang="en-IN" dirty="0"/>
+          </a:p>
+        </p:txBody>
+      </p:sp>
+    </p:spTree>
+    <p:extLst>
+      <p:ext uri="{BB962C8B-B14F-4D97-AF65-F5344CB8AC3E}">
+        <p14:creationId xmlns:p14="http://schemas.microsoft.com/office/powerpoint/2010/main" val="431502068"/>
       </p:ext>
     </p:extLst>
   </p:cSld>
